--- a/Modelling/xT/KDB and TAA Slides.pptx
+++ b/Modelling/xT/KDB and TAA Slides.pptx
@@ -105,6 +105,11 @@
       </a:defRPr>
     </a:lvl9pPr>
   </p:defaultTextStyle>
+  <p:extLst>
+    <p:ext uri="{EFAFB233-063F-42B5-8137-9DF3F51BA10A}">
+      <p15:sldGuideLst xmlns:p15="http://schemas.microsoft.com/office/powerpoint/2012/main"/>
+    </p:ext>
+  </p:extLst>
 </p:presentation>
 </file>
 
@@ -257,7 +262,7 @@
           <a:p>
             <a:fld id="{1A41C26D-CB27-4B48-917B-CBA62521D59C}" type="datetimeFigureOut">
               <a:rPr lang="en-US" smtClean="0"/>
-              <a:t>3/26/21</a:t>
+              <a:t>8/25/21</a:t>
             </a:fld>
             <a:endParaRPr lang="en-US"/>
           </a:p>
@@ -457,7 +462,7 @@
           <a:p>
             <a:fld id="{1A41C26D-CB27-4B48-917B-CBA62521D59C}" type="datetimeFigureOut">
               <a:rPr lang="en-US" smtClean="0"/>
-              <a:t>3/26/21</a:t>
+              <a:t>8/25/21</a:t>
             </a:fld>
             <a:endParaRPr lang="en-US"/>
           </a:p>
@@ -667,7 +672,7 @@
           <a:p>
             <a:fld id="{1A41C26D-CB27-4B48-917B-CBA62521D59C}" type="datetimeFigureOut">
               <a:rPr lang="en-US" smtClean="0"/>
-              <a:t>3/26/21</a:t>
+              <a:t>8/25/21</a:t>
             </a:fld>
             <a:endParaRPr lang="en-US"/>
           </a:p>
@@ -867,7 +872,7 @@
           <a:p>
             <a:fld id="{1A41C26D-CB27-4B48-917B-CBA62521D59C}" type="datetimeFigureOut">
               <a:rPr lang="en-US" smtClean="0"/>
-              <a:t>3/26/21</a:t>
+              <a:t>8/25/21</a:t>
             </a:fld>
             <a:endParaRPr lang="en-US"/>
           </a:p>
@@ -1143,7 +1148,7 @@
           <a:p>
             <a:fld id="{1A41C26D-CB27-4B48-917B-CBA62521D59C}" type="datetimeFigureOut">
               <a:rPr lang="en-US" smtClean="0"/>
-              <a:t>3/26/21</a:t>
+              <a:t>8/25/21</a:t>
             </a:fld>
             <a:endParaRPr lang="en-US"/>
           </a:p>
@@ -1411,7 +1416,7 @@
           <a:p>
             <a:fld id="{1A41C26D-CB27-4B48-917B-CBA62521D59C}" type="datetimeFigureOut">
               <a:rPr lang="en-US" smtClean="0"/>
-              <a:t>3/26/21</a:t>
+              <a:t>8/25/21</a:t>
             </a:fld>
             <a:endParaRPr lang="en-US"/>
           </a:p>
@@ -1826,7 +1831,7 @@
           <a:p>
             <a:fld id="{1A41C26D-CB27-4B48-917B-CBA62521D59C}" type="datetimeFigureOut">
               <a:rPr lang="en-US" smtClean="0"/>
-              <a:t>3/26/21</a:t>
+              <a:t>8/25/21</a:t>
             </a:fld>
             <a:endParaRPr lang="en-US"/>
           </a:p>
@@ -1968,7 +1973,7 @@
           <a:p>
             <a:fld id="{1A41C26D-CB27-4B48-917B-CBA62521D59C}" type="datetimeFigureOut">
               <a:rPr lang="en-US" smtClean="0"/>
-              <a:t>3/26/21</a:t>
+              <a:t>8/25/21</a:t>
             </a:fld>
             <a:endParaRPr lang="en-US"/>
           </a:p>
@@ -2081,7 +2086,7 @@
           <a:p>
             <a:fld id="{1A41C26D-CB27-4B48-917B-CBA62521D59C}" type="datetimeFigureOut">
               <a:rPr lang="en-US" smtClean="0"/>
-              <a:t>3/26/21</a:t>
+              <a:t>8/25/21</a:t>
             </a:fld>
             <a:endParaRPr lang="en-US"/>
           </a:p>
@@ -2394,7 +2399,7 @@
           <a:p>
             <a:fld id="{1A41C26D-CB27-4B48-917B-CBA62521D59C}" type="datetimeFigureOut">
               <a:rPr lang="en-US" smtClean="0"/>
-              <a:t>3/26/21</a:t>
+              <a:t>8/25/21</a:t>
             </a:fld>
             <a:endParaRPr lang="en-US"/>
           </a:p>
@@ -2683,7 +2688,7 @@
           <a:p>
             <a:fld id="{1A41C26D-CB27-4B48-917B-CBA62521D59C}" type="datetimeFigureOut">
               <a:rPr lang="en-US" smtClean="0"/>
-              <a:t>3/26/21</a:t>
+              <a:t>8/25/21</a:t>
             </a:fld>
             <a:endParaRPr lang="en-US"/>
           </a:p>
@@ -2926,7 +2931,7 @@
           <a:p>
             <a:fld id="{1A41C26D-CB27-4B48-917B-CBA62521D59C}" type="datetimeFigureOut">
               <a:rPr lang="en-US" smtClean="0"/>
-              <a:t>3/26/21</a:t>
+              <a:t>8/25/21</a:t>
             </a:fld>
             <a:endParaRPr lang="en-US"/>
           </a:p>
@@ -3345,10 +3350,10 @@
       </p:grpSpPr>
       <p:grpSp>
         <p:nvGrpSpPr>
-          <p:cNvPr id="8" name="Group 7">
-            <a:extLst>
-              <a:ext uri="{FF2B5EF4-FFF2-40B4-BE49-F238E27FC236}">
-                <a16:creationId xmlns:a16="http://schemas.microsoft.com/office/drawing/2014/main" id="{A4B5C275-7D4B-F547-92A6-E2F5FF9973BE}"/>
+          <p:cNvPr id="4" name="Group 3">
+            <a:extLst>
+              <a:ext uri="{FF2B5EF4-FFF2-40B4-BE49-F238E27FC236}">
+                <a16:creationId xmlns:a16="http://schemas.microsoft.com/office/drawing/2014/main" id="{7C102CD8-F43B-074D-ABAF-2A9E116143BB}"/>
               </a:ext>
             </a:extLst>
           </p:cNvPr>
@@ -3357,18 +3362,18 @@
         </p:nvGrpSpPr>
         <p:grpSpPr>
           <a:xfrm>
-            <a:off x="0" y="0"/>
+            <a:off x="239492" y="0"/>
             <a:ext cx="12192000" cy="6858000"/>
-            <a:chOff x="0" y="0"/>
+            <a:chOff x="239492" y="0"/>
             <a:chExt cx="12192000" cy="6858000"/>
           </a:xfrm>
         </p:grpSpPr>
         <p:pic>
           <p:nvPicPr>
-            <p:cNvPr id="5" name="Picture 4" descr="A picture containing text, orange&#10;&#10;Description automatically generated">
+            <p:cNvPr id="3" name="Picture 2" descr="Chart&#10;&#10;Description automatically generated">
               <a:extLst>
                 <a:ext uri="{FF2B5EF4-FFF2-40B4-BE49-F238E27FC236}">
-                  <a16:creationId xmlns:a16="http://schemas.microsoft.com/office/drawing/2014/main" id="{4D3EE3D1-B7AD-094A-98C9-EB7C0C9F4992}"/>
+                  <a16:creationId xmlns:a16="http://schemas.microsoft.com/office/drawing/2014/main" id="{47A76E5D-8C37-C445-98EC-05999D41BF90}"/>
                 </a:ext>
               </a:extLst>
             </p:cNvPr>
@@ -3385,7 +3390,7 @@
           </p:blipFill>
           <p:spPr>
             <a:xfrm>
-              <a:off x="0" y="0"/>
+              <a:off x="239492" y="0"/>
               <a:ext cx="12192000" cy="6858000"/>
             </a:xfrm>
             <a:prstGeom prst="rect">
@@ -3415,8 +3420,8 @@
           </p:blipFill>
           <p:spPr>
             <a:xfrm>
-              <a:off x="94996" y="2264227"/>
-              <a:ext cx="2043570" cy="4093029"/>
+              <a:off x="315694" y="2993571"/>
+              <a:ext cx="1679423" cy="3363685"/>
             </a:xfrm>
             <a:prstGeom prst="rect">
               <a:avLst/>
@@ -3456,10 +3461,10 @@
       </p:grpSpPr>
       <p:grpSp>
         <p:nvGrpSpPr>
-          <p:cNvPr id="8" name="Group 7">
-            <a:extLst>
-              <a:ext uri="{FF2B5EF4-FFF2-40B4-BE49-F238E27FC236}">
-                <a16:creationId xmlns:a16="http://schemas.microsoft.com/office/drawing/2014/main" id="{C5A7809E-1C15-E64D-A0FF-58E84BF302FA}"/>
+          <p:cNvPr id="4" name="Group 3">
+            <a:extLst>
+              <a:ext uri="{FF2B5EF4-FFF2-40B4-BE49-F238E27FC236}">
+                <a16:creationId xmlns:a16="http://schemas.microsoft.com/office/drawing/2014/main" id="{8218C7C1-40F1-5C4C-95A7-EEAEFD64D91E}"/>
               </a:ext>
             </a:extLst>
           </p:cNvPr>
@@ -3476,10 +3481,10 @@
         </p:grpSpPr>
         <p:pic>
           <p:nvPicPr>
-            <p:cNvPr id="5" name="Picture 4" descr="A picture containing qr code&#10;&#10;Description automatically generated">
+            <p:cNvPr id="3" name="Picture 2" descr="A picture containing text, crossword puzzle, tiled&#10;&#10;Description automatically generated">
               <a:extLst>
                 <a:ext uri="{FF2B5EF4-FFF2-40B4-BE49-F238E27FC236}">
-                  <a16:creationId xmlns:a16="http://schemas.microsoft.com/office/drawing/2014/main" id="{AF157921-C763-C540-BDBB-8A389EC88B1D}"/>
+                  <a16:creationId xmlns:a16="http://schemas.microsoft.com/office/drawing/2014/main" id="{4DBC1437-7418-0A45-BE1B-AA7AAB4ADADC}"/>
                 </a:ext>
               </a:extLst>
             </p:cNvPr>
@@ -3526,8 +3531,8 @@
           </p:blipFill>
           <p:spPr>
             <a:xfrm>
-              <a:off x="125697" y="1894114"/>
-              <a:ext cx="3276357" cy="4517571"/>
+              <a:off x="125697" y="2141951"/>
+              <a:ext cx="3096614" cy="4269735"/>
             </a:xfrm>
             <a:prstGeom prst="rect">
               <a:avLst/>
